--- a/PPTS/Aula4.pptx
+++ b/PPTS/Aula4.pptx
@@ -16,8 +16,10 @@
     <p:sldId id="287" r:id="rId10"/>
     <p:sldId id="288" r:id="rId11"/>
     <p:sldId id="289" r:id="rId12"/>
-    <p:sldId id="290" r:id="rId13"/>
-    <p:sldId id="291" r:id="rId14"/>
+    <p:sldId id="293" r:id="rId13"/>
+    <p:sldId id="294" r:id="rId14"/>
+    <p:sldId id="290" r:id="rId15"/>
+    <p:sldId id="291" r:id="rId16"/>
   </p:sldIdLst>
   <p:sldSz cx="9144000" cy="6858000" type="screen4x3"/>
   <p:notesSz cx="6858000" cy="9144000"/>
@@ -3530,6 +3532,242 @@
         </p:nvSpPr>
         <p:spPr/>
         <p:txBody>
+          <a:bodyPr/>
+          <a:lstStyle/>
+          <a:p>
+            <a:r>
+              <a:rPr lang="pt-BR" dirty="0" smtClean="0"/>
+              <a:t>Container</a:t>
+            </a:r>
+            <a:endParaRPr lang="pt-BR" dirty="0"/>
+          </a:p>
+        </p:txBody>
+      </p:sp>
+      <p:pic>
+        <p:nvPicPr>
+          <p:cNvPr id="4" name="Picture 3"/>
+          <p:cNvPicPr>
+            <a:picLocks noChangeAspect="1" noChangeArrowheads="1"/>
+          </p:cNvPicPr>
+          <p:nvPr/>
+        </p:nvPicPr>
+        <p:blipFill>
+          <a:blip r:embed="rId2" cstate="print"/>
+          <a:srcRect/>
+          <a:stretch>
+            <a:fillRect/>
+          </a:stretch>
+        </p:blipFill>
+        <p:spPr bwMode="auto">
+          <a:xfrm>
+            <a:off x="395536" y="404664"/>
+            <a:ext cx="1533525" cy="619125"/>
+          </a:xfrm>
+          <a:prstGeom prst="rect">
+            <a:avLst/>
+          </a:prstGeom>
+          <a:noFill/>
+          <a:ln w="9525">
+            <a:noFill/>
+            <a:miter lim="800000"/>
+            <a:headEnd/>
+            <a:tailEnd/>
+          </a:ln>
+        </p:spPr>
+      </p:pic>
+      <p:pic>
+        <p:nvPicPr>
+          <p:cNvPr id="2050" name="Picture 2"/>
+          <p:cNvPicPr>
+            <a:picLocks noGrp="1" noChangeAspect="1" noChangeArrowheads="1"/>
+          </p:cNvPicPr>
+          <p:nvPr>
+            <p:ph idx="1"/>
+          </p:nvPr>
+        </p:nvPicPr>
+        <p:blipFill>
+          <a:blip r:embed="rId3" cstate="print"/>
+          <a:srcRect/>
+          <a:stretch>
+            <a:fillRect/>
+          </a:stretch>
+        </p:blipFill>
+        <p:spPr bwMode="auto">
+          <a:xfrm>
+            <a:off x="2555776" y="2132856"/>
+            <a:ext cx="4345781" cy="3059906"/>
+          </a:xfrm>
+          <a:prstGeom prst="rect">
+            <a:avLst/>
+          </a:prstGeom>
+          <a:noFill/>
+          <a:ln w="9525">
+            <a:noFill/>
+            <a:miter lim="800000"/>
+            <a:headEnd/>
+            <a:tailEnd/>
+          </a:ln>
+        </p:spPr>
+      </p:pic>
+    </p:spTree>
+  </p:cSld>
+  <p:clrMapOvr>
+    <a:masterClrMapping/>
+  </p:clrMapOvr>
+</p:sld>
+</file>
+
+<file path=ppt/slides/slide13.xml><?xml version="1.0" encoding="utf-8"?>
+<p:sld xmlns:a="http://schemas.openxmlformats.org/drawingml/2006/main" xmlns:r="http://schemas.openxmlformats.org/officeDocument/2006/relationships" xmlns:p="http://schemas.openxmlformats.org/presentationml/2006/main">
+  <p:cSld>
+    <p:spTree>
+      <p:nvGrpSpPr>
+        <p:cNvPr id="1" name=""/>
+        <p:cNvGrpSpPr/>
+        <p:nvPr/>
+      </p:nvGrpSpPr>
+      <p:grpSpPr>
+        <a:xfrm>
+          <a:off x="0" y="0"/>
+          <a:ext cx="0" cy="0"/>
+          <a:chOff x="0" y="0"/>
+          <a:chExt cx="0" cy="0"/>
+        </a:xfrm>
+      </p:grpSpPr>
+      <p:sp>
+        <p:nvSpPr>
+          <p:cNvPr id="2" name="Título 1"/>
+          <p:cNvSpPr>
+            <a:spLocks noGrp="1"/>
+          </p:cNvSpPr>
+          <p:nvPr>
+            <p:ph type="title"/>
+          </p:nvPr>
+        </p:nvSpPr>
+        <p:spPr/>
+        <p:txBody>
+          <a:bodyPr/>
+          <a:lstStyle/>
+          <a:p>
+            <a:r>
+              <a:rPr lang="pt-BR" dirty="0" smtClean="0"/>
+              <a:t>         </a:t>
+            </a:r>
+            <a:r>
+              <a:rPr lang="pt-BR" dirty="0" err="1" smtClean="0"/>
+              <a:t>Virtualização</a:t>
+            </a:r>
+            <a:r>
+              <a:rPr lang="pt-BR" dirty="0" smtClean="0"/>
+              <a:t> x Container</a:t>
+            </a:r>
+            <a:endParaRPr lang="pt-BR" dirty="0"/>
+          </a:p>
+        </p:txBody>
+      </p:sp>
+      <p:pic>
+        <p:nvPicPr>
+          <p:cNvPr id="4" name="Picture 3"/>
+          <p:cNvPicPr>
+            <a:picLocks noChangeAspect="1" noChangeArrowheads="1"/>
+          </p:cNvPicPr>
+          <p:nvPr/>
+        </p:nvPicPr>
+        <p:blipFill>
+          <a:blip r:embed="rId2" cstate="print"/>
+          <a:srcRect/>
+          <a:stretch>
+            <a:fillRect/>
+          </a:stretch>
+        </p:blipFill>
+        <p:spPr bwMode="auto">
+          <a:xfrm>
+            <a:off x="395536" y="404664"/>
+            <a:ext cx="1533525" cy="619125"/>
+          </a:xfrm>
+          <a:prstGeom prst="rect">
+            <a:avLst/>
+          </a:prstGeom>
+          <a:noFill/>
+          <a:ln w="9525">
+            <a:noFill/>
+            <a:miter lim="800000"/>
+            <a:headEnd/>
+            <a:tailEnd/>
+          </a:ln>
+        </p:spPr>
+      </p:pic>
+      <p:pic>
+        <p:nvPicPr>
+          <p:cNvPr id="3074" name="Picture 2"/>
+          <p:cNvPicPr>
+            <a:picLocks noGrp="1" noChangeAspect="1" noChangeArrowheads="1"/>
+          </p:cNvPicPr>
+          <p:nvPr>
+            <p:ph idx="1"/>
+          </p:nvPr>
+        </p:nvPicPr>
+        <p:blipFill>
+          <a:blip r:embed="rId3" cstate="print"/>
+          <a:srcRect/>
+          <a:stretch>
+            <a:fillRect/>
+          </a:stretch>
+        </p:blipFill>
+        <p:spPr bwMode="auto">
+          <a:xfrm>
+            <a:off x="611560" y="1628800"/>
+            <a:ext cx="8105775" cy="4666298"/>
+          </a:xfrm>
+          <a:prstGeom prst="rect">
+            <a:avLst/>
+          </a:prstGeom>
+          <a:noFill/>
+          <a:ln w="9525">
+            <a:noFill/>
+            <a:miter lim="800000"/>
+            <a:headEnd/>
+            <a:tailEnd/>
+          </a:ln>
+        </p:spPr>
+      </p:pic>
+    </p:spTree>
+  </p:cSld>
+  <p:clrMapOvr>
+    <a:masterClrMapping/>
+  </p:clrMapOvr>
+</p:sld>
+</file>
+
+<file path=ppt/slides/slide14.xml><?xml version="1.0" encoding="utf-8"?>
+<p:sld xmlns:a="http://schemas.openxmlformats.org/drawingml/2006/main" xmlns:r="http://schemas.openxmlformats.org/officeDocument/2006/relationships" xmlns:p="http://schemas.openxmlformats.org/presentationml/2006/main">
+  <p:cSld>
+    <p:spTree>
+      <p:nvGrpSpPr>
+        <p:cNvPr id="1" name=""/>
+        <p:cNvGrpSpPr/>
+        <p:nvPr/>
+      </p:nvGrpSpPr>
+      <p:grpSpPr>
+        <a:xfrm>
+          <a:off x="0" y="0"/>
+          <a:ext cx="0" cy="0"/>
+          <a:chOff x="0" y="0"/>
+          <a:chExt cx="0" cy="0"/>
+        </a:xfrm>
+      </p:grpSpPr>
+      <p:sp>
+        <p:nvSpPr>
+          <p:cNvPr id="2" name="Título 1"/>
+          <p:cNvSpPr>
+            <a:spLocks noGrp="1"/>
+          </p:cNvSpPr>
+          <p:nvPr>
+            <p:ph type="title"/>
+          </p:nvPr>
+        </p:nvSpPr>
+        <p:spPr/>
+        <p:txBody>
           <a:bodyPr>
             <a:normAutofit/>
           </a:bodyPr>
@@ -3721,7 +3959,7 @@
 </p:sld>
 </file>
 
-<file path=ppt/slides/slide13.xml><?xml version="1.0" encoding="utf-8"?>
+<file path=ppt/slides/slide15.xml><?xml version="1.0" encoding="utf-8"?>
 <p:sld xmlns:a="http://schemas.openxmlformats.org/drawingml/2006/main" xmlns:r="http://schemas.openxmlformats.org/officeDocument/2006/relationships" xmlns:p="http://schemas.openxmlformats.org/presentationml/2006/main">
   <p:cSld>
     <p:spTree>
